--- a/pdfs/Hydra_HPC_intro.pptx
+++ b/pdfs/Hydra_HPC_intro.pptx
@@ -11809,7 +11809,7 @@
                   <a:schemeClr val="bg1"/>
                 </a:solidFill>
               </a:rPr>
-              <a:t>and the Smithsonian Hydra cluster</a:t>
+              <a:t>and the Smithsonian Hydra Cluster</a:t>
             </a:r>
             <a:endParaRPr lang="en-US" sz="4400" dirty="0"/>
           </a:p>

--- a/pdfs/Hydra_HPC_intro.pptx
+++ b/pdfs/Hydra_HPC_intro.pptx
@@ -5,7 +5,7 @@
     <p:sldMasterId id="2147483659" r:id="rId1"/>
   </p:sldMasterIdLst>
   <p:notesMasterIdLst>
-    <p:notesMasterId r:id="rId9"/>
+    <p:notesMasterId r:id="rId10"/>
   </p:notesMasterIdLst>
   <p:sldIdLst>
     <p:sldId id="256" r:id="rId2"/>
@@ -13,8 +13,9 @@
     <p:sldId id="258" r:id="rId4"/>
     <p:sldId id="259" r:id="rId5"/>
     <p:sldId id="272" r:id="rId6"/>
-    <p:sldId id="262" r:id="rId7"/>
-    <p:sldId id="263" r:id="rId8"/>
+    <p:sldId id="273" r:id="rId7"/>
+    <p:sldId id="262" r:id="rId8"/>
+    <p:sldId id="263" r:id="rId9"/>
   </p:sldIdLst>
   <p:sldSz cx="12192000" cy="6858000"/>
   <p:notesSz cx="6858000" cy="9144000"/>
@@ -13537,6 +13538,796 @@
 </file>
 
 <file path=ppt/slides/slide6.xml><?xml version="1.0" encoding="utf-8"?>
+<p:sld xmlns:a="http://schemas.openxmlformats.org/drawingml/2006/main" xmlns:r="http://schemas.openxmlformats.org/officeDocument/2006/relationships" xmlns:p="http://schemas.openxmlformats.org/presentationml/2006/main">
+  <p:cSld>
+    <p:spTree>
+      <p:nvGrpSpPr>
+        <p:cNvPr id="1" name="">
+          <a:extLst>
+            <a:ext uri="{FF2B5EF4-FFF2-40B4-BE49-F238E27FC236}">
+              <a16:creationId xmlns:a16="http://schemas.microsoft.com/office/drawing/2014/main" id="{9762B537-8044-0FBE-8FAB-FD9538F66A3B}"/>
+            </a:ext>
+          </a:extLst>
+        </p:cNvPr>
+        <p:cNvGrpSpPr/>
+        <p:nvPr/>
+      </p:nvGrpSpPr>
+      <p:grpSpPr>
+        <a:xfrm>
+          <a:off x="0" y="0"/>
+          <a:ext cx="0" cy="0"/>
+          <a:chOff x="0" y="0"/>
+          <a:chExt cx="0" cy="0"/>
+        </a:xfrm>
+      </p:grpSpPr>
+      <p:sp>
+        <p:nvSpPr>
+          <p:cNvPr id="2" name="Title 1">
+            <a:extLst>
+              <a:ext uri="{FF2B5EF4-FFF2-40B4-BE49-F238E27FC236}">
+                <a16:creationId xmlns:a16="http://schemas.microsoft.com/office/drawing/2014/main" id="{0D30EEC0-7B51-D290-D4C3-2246C4EA0070}"/>
+              </a:ext>
+            </a:extLst>
+          </p:cNvPr>
+          <p:cNvSpPr>
+            <a:spLocks noGrp="1"/>
+          </p:cNvSpPr>
+          <p:nvPr>
+            <p:ph type="title"/>
+          </p:nvPr>
+        </p:nvSpPr>
+        <p:spPr/>
+        <p:txBody>
+          <a:bodyPr/>
+          <a:lstStyle/>
+          <a:p>
+            <a:r>
+              <a:rPr lang="en-US" dirty="0"/>
+              <a:t>Hydra file system</a:t>
+            </a:r>
+          </a:p>
+        </p:txBody>
+      </p:sp>
+      <p:graphicFrame>
+        <p:nvGraphicFramePr>
+          <p:cNvPr id="6" name="Table 5">
+            <a:extLst>
+              <a:ext uri="{FF2B5EF4-FFF2-40B4-BE49-F238E27FC236}">
+                <a16:creationId xmlns:a16="http://schemas.microsoft.com/office/drawing/2014/main" id="{E936CCAD-CD32-C63E-547B-6D37D30A3244}"/>
+              </a:ext>
+            </a:extLst>
+          </p:cNvPr>
+          <p:cNvGraphicFramePr>
+            <a:graphicFrameLocks noGrp="1"/>
+          </p:cNvGraphicFramePr>
+          <p:nvPr>
+            <p:extLst>
+              <p:ext uri="{D42A27DB-BD31-4B8C-83A1-F6EECF244321}">
+                <p14:modId xmlns:p14="http://schemas.microsoft.com/office/powerpoint/2010/main" val="2643691366"/>
+              </p:ext>
+            </p:extLst>
+          </p:nvPr>
+        </p:nvGraphicFramePr>
+        <p:xfrm>
+          <a:off x="263320" y="1951945"/>
+          <a:ext cx="11665359" cy="2286000"/>
+        </p:xfrm>
+        <a:graphic>
+          <a:graphicData uri="http://schemas.openxmlformats.org/drawingml/2006/table">
+            <a:tbl>
+              <a:tblPr firstRow="1" bandRow="1">
+                <a:tableStyleId>{7DF18680-E054-41AD-8BC1-D1AEF772440D}</a:tableStyleId>
+              </a:tblPr>
+              <a:tblGrid>
+                <a:gridCol w="3334902">
+                  <a:extLst>
+                    <a:ext uri="{9D8B030D-6E8A-4147-A177-3AD203B41FA5}">
+                      <a16:colId xmlns:a16="http://schemas.microsoft.com/office/drawing/2014/main" val="2721697390"/>
+                    </a:ext>
+                  </a:extLst>
+                </a:gridCol>
+                <a:gridCol w="4013860">
+                  <a:extLst>
+                    <a:ext uri="{9D8B030D-6E8A-4147-A177-3AD203B41FA5}">
+                      <a16:colId xmlns:a16="http://schemas.microsoft.com/office/drawing/2014/main" val="445820698"/>
+                    </a:ext>
+                  </a:extLst>
+                </a:gridCol>
+                <a:gridCol w="1330037">
+                  <a:extLst>
+                    <a:ext uri="{9D8B030D-6E8A-4147-A177-3AD203B41FA5}">
+                      <a16:colId xmlns:a16="http://schemas.microsoft.com/office/drawing/2014/main" val="652516773"/>
+                    </a:ext>
+                  </a:extLst>
+                </a:gridCol>
+                <a:gridCol w="1377538">
+                  <a:extLst>
+                    <a:ext uri="{9D8B030D-6E8A-4147-A177-3AD203B41FA5}">
+                      <a16:colId xmlns:a16="http://schemas.microsoft.com/office/drawing/2014/main" val="3695842071"/>
+                    </a:ext>
+                  </a:extLst>
+                </a:gridCol>
+                <a:gridCol w="1609022">
+                  <a:extLst>
+                    <a:ext uri="{9D8B030D-6E8A-4147-A177-3AD203B41FA5}">
+                      <a16:colId xmlns:a16="http://schemas.microsoft.com/office/drawing/2014/main" val="2068830102"/>
+                    </a:ext>
+                  </a:extLst>
+                </a:gridCol>
+              </a:tblGrid>
+              <a:tr h="441356">
+                <a:tc>
+                  <a:txBody>
+                    <a:bodyPr/>
+                    <a:lstStyle/>
+                    <a:p>
+                      <a:r>
+                        <a:rPr lang="en-US" dirty="0"/>
+                        <a:t>Location</a:t>
+                      </a:r>
+                    </a:p>
+                  </a:txBody>
+                  <a:tcPr/>
+                </a:tc>
+                <a:tc>
+                  <a:txBody>
+                    <a:bodyPr/>
+                    <a:lstStyle/>
+                    <a:p>
+                      <a:r>
+                        <a:rPr lang="en-US" dirty="0"/>
+                        <a:t>Description</a:t>
+                      </a:r>
+                    </a:p>
+                  </a:txBody>
+                  <a:tcPr/>
+                </a:tc>
+                <a:tc>
+                  <a:txBody>
+                    <a:bodyPr/>
+                    <a:lstStyle/>
+                    <a:p>
+                      <a:r>
+                        <a:rPr lang="en-US" dirty="0"/>
+                        <a:t>User storage space</a:t>
+                      </a:r>
+                    </a:p>
+                  </a:txBody>
+                  <a:tcPr/>
+                </a:tc>
+                <a:tc>
+                  <a:txBody>
+                    <a:bodyPr/>
+                    <a:lstStyle/>
+                    <a:p>
+                      <a:r>
+                        <a:rPr lang="en-US" dirty="0"/>
+                        <a:t>Backed up?</a:t>
+                      </a:r>
+                    </a:p>
+                  </a:txBody>
+                  <a:tcPr/>
+                </a:tc>
+                <a:tc>
+                  <a:txBody>
+                    <a:bodyPr/>
+                    <a:lstStyle/>
+                    <a:p>
+                      <a:r>
+                        <a:rPr lang="en-US" dirty="0"/>
+                        <a:t>Old files deleted?</a:t>
+                      </a:r>
+                    </a:p>
+                  </a:txBody>
+                  <a:tcPr/>
+                </a:tc>
+                <a:extLst>
+                  <a:ext uri="{0D108BD9-81ED-4DB2-BD59-A6C34878D82A}">
+                    <a16:rowId xmlns:a16="http://schemas.microsoft.com/office/drawing/2014/main" val="2543938081"/>
+                  </a:ext>
+                </a:extLst>
+              </a:tr>
+              <a:tr h="441356">
+                <a:tc>
+                  <a:txBody>
+                    <a:bodyPr/>
+                    <a:lstStyle/>
+                    <a:p>
+                      <a:r>
+                        <a:rPr lang="en-US" b="1" dirty="0"/>
+                        <a:t>/home/USER_ID</a:t>
+                      </a:r>
+                    </a:p>
+                  </a:txBody>
+                  <a:tcPr/>
+                </a:tc>
+                <a:tc>
+                  <a:txBody>
+                    <a:bodyPr/>
+                    <a:lstStyle/>
+                    <a:p>
+                      <a:pPr marL="0" marR="0" lvl="0" indent="0" algn="l" defTabSz="914400" rtl="0" eaLnBrk="1" fontAlgn="auto" latinLnBrk="0" hangingPunct="1">
+                        <a:lnSpc>
+                          <a:spcPct val="100000"/>
+                        </a:lnSpc>
+                        <a:spcBef>
+                          <a:spcPts val="0"/>
+                        </a:spcBef>
+                        <a:spcAft>
+                          <a:spcPts val="0"/>
+                        </a:spcAft>
+                        <a:buClr>
+                          <a:srgbClr val="000000"/>
+                        </a:buClr>
+                        <a:buSzTx/>
+                        <a:buFont typeface="Arial"/>
+                        <a:buNone/>
+                        <a:tabLst/>
+                        <a:defRPr/>
+                      </a:pPr>
+                      <a:r>
+                        <a:rPr lang="en-US" dirty="0"/>
+                        <a:t>Y</a:t>
+                      </a:r>
+                      <a:r>
+                        <a:rPr lang="en-US" sz="1400" dirty="0"/>
+                        <a:t>our home directory, </a:t>
+                      </a:r>
+                      <a:r>
+                        <a:rPr lang="en-US" sz="1400" b="0" u="none" strike="noStrike" cap="none" dirty="0">
+                          <a:solidFill>
+                            <a:schemeClr val="dk1"/>
+                          </a:solidFill>
+                          <a:effectLst/>
+                          <a:sym typeface="Arial"/>
+                        </a:rPr>
+                        <a:t>for your basic configuration files, scripts and job files</a:t>
+                      </a:r>
+                      <a:endParaRPr lang="en-US" sz="1400" dirty="0"/>
+                    </a:p>
+                  </a:txBody>
+                  <a:tcPr/>
+                </a:tc>
+                <a:tc>
+                  <a:txBody>
+                    <a:bodyPr/>
+                    <a:lstStyle/>
+                    <a:p>
+                      <a:pPr marL="0" marR="0" lvl="0" indent="0" algn="l" defTabSz="914400" rtl="0" eaLnBrk="1" fontAlgn="auto" latinLnBrk="0" hangingPunct="1">
+                        <a:lnSpc>
+                          <a:spcPct val="100000"/>
+                        </a:lnSpc>
+                        <a:spcBef>
+                          <a:spcPts val="0"/>
+                        </a:spcBef>
+                        <a:spcAft>
+                          <a:spcPts val="0"/>
+                        </a:spcAft>
+                        <a:buClr>
+                          <a:srgbClr val="000000"/>
+                        </a:buClr>
+                        <a:buSzTx/>
+                        <a:buFont typeface="Arial"/>
+                        <a:buNone/>
+                        <a:tabLst/>
+                        <a:defRPr/>
+                      </a:pPr>
+                      <a:r>
+                        <a:rPr lang="en-US" sz="1400" dirty="0"/>
+                        <a:t>512 Gb</a:t>
+                      </a:r>
+                    </a:p>
+                  </a:txBody>
+                  <a:tcPr/>
+                </a:tc>
+                <a:tc>
+                  <a:txBody>
+                    <a:bodyPr/>
+                    <a:lstStyle/>
+                    <a:p>
+                      <a:pPr marL="0" marR="0" lvl="0" indent="0" algn="l" defTabSz="914400" rtl="0" eaLnBrk="1" fontAlgn="auto" latinLnBrk="0" hangingPunct="1">
+                        <a:lnSpc>
+                          <a:spcPct val="100000"/>
+                        </a:lnSpc>
+                        <a:spcBef>
+                          <a:spcPts val="0"/>
+                        </a:spcBef>
+                        <a:spcAft>
+                          <a:spcPts val="0"/>
+                        </a:spcAft>
+                        <a:buClr>
+                          <a:srgbClr val="000000"/>
+                        </a:buClr>
+                        <a:buSzTx/>
+                        <a:buFont typeface="Arial"/>
+                        <a:buNone/>
+                        <a:tabLst/>
+                        <a:defRPr/>
+                      </a:pPr>
+                      <a:r>
+                        <a:rPr lang="en-US" sz="1400" dirty="0"/>
+                        <a:t>Yes, every 4 weeks</a:t>
+                      </a:r>
+                    </a:p>
+                  </a:txBody>
+                  <a:tcPr/>
+                </a:tc>
+                <a:tc>
+                  <a:txBody>
+                    <a:bodyPr/>
+                    <a:lstStyle/>
+                    <a:p>
+                      <a:pPr marL="0" marR="0" lvl="0" indent="0" algn="l" defTabSz="914400" rtl="0" eaLnBrk="1" fontAlgn="auto" latinLnBrk="0" hangingPunct="1">
+                        <a:lnSpc>
+                          <a:spcPct val="100000"/>
+                        </a:lnSpc>
+                        <a:spcBef>
+                          <a:spcPts val="0"/>
+                        </a:spcBef>
+                        <a:spcAft>
+                          <a:spcPts val="0"/>
+                        </a:spcAft>
+                        <a:buClr>
+                          <a:srgbClr val="000000"/>
+                        </a:buClr>
+                        <a:buSzTx/>
+                        <a:buFont typeface="Arial"/>
+                        <a:buNone/>
+                        <a:tabLst/>
+                        <a:defRPr/>
+                      </a:pPr>
+                      <a:r>
+                        <a:rPr lang="en-US" sz="1400" dirty="0"/>
+                        <a:t>No</a:t>
+                      </a:r>
+                    </a:p>
+                  </a:txBody>
+                  <a:tcPr/>
+                </a:tc>
+                <a:extLst>
+                  <a:ext uri="{0D108BD9-81ED-4DB2-BD59-A6C34878D82A}">
+                    <a16:rowId xmlns:a16="http://schemas.microsoft.com/office/drawing/2014/main" val="1485387668"/>
+                  </a:ext>
+                </a:extLst>
+              </a:tr>
+              <a:tr h="441356">
+                <a:tc>
+                  <a:txBody>
+                    <a:bodyPr/>
+                    <a:lstStyle/>
+                    <a:p>
+                      <a:r>
+                        <a:rPr lang="en-US" sz="1400" b="1" u="none" strike="noStrike" cap="none" dirty="0">
+                          <a:solidFill>
+                            <a:schemeClr val="dk1"/>
+                          </a:solidFill>
+                          <a:effectLst/>
+                          <a:sym typeface="Arial"/>
+                        </a:rPr>
+                        <a:t>/pool/public/genomics/USER_ID</a:t>
+                      </a:r>
+                      <a:endParaRPr lang="en-US" sz="1400" b="1" i="0" u="none" strike="noStrike" cap="none" dirty="0">
+                        <a:solidFill>
+                          <a:schemeClr val="dk1"/>
+                        </a:solidFill>
+                        <a:effectLst/>
+                        <a:latin typeface="+mn-lt"/>
+                        <a:ea typeface="+mn-ea"/>
+                        <a:cs typeface="+mn-cs"/>
+                        <a:sym typeface="Arial"/>
+                      </a:endParaRPr>
+                    </a:p>
+                  </a:txBody>
+                  <a:tcPr/>
+                </a:tc>
+                <a:tc>
+                  <a:txBody>
+                    <a:bodyPr/>
+                    <a:lstStyle/>
+                    <a:p>
+                      <a:r>
+                        <a:rPr lang="en-US" sz="1400" b="0" u="none" strike="noStrike" cap="none" dirty="0">
+                          <a:solidFill>
+                            <a:schemeClr val="dk1"/>
+                          </a:solidFill>
+                          <a:effectLst/>
+                          <a:sym typeface="Arial"/>
+                        </a:rPr>
+                        <a:t>For storing large files, fast disk R/W speed, good for analyses</a:t>
+                      </a:r>
+                      <a:endParaRPr lang="en-US" sz="1400" b="0" i="0" u="none" strike="noStrike" cap="none" dirty="0">
+                        <a:solidFill>
+                          <a:schemeClr val="dk1"/>
+                        </a:solidFill>
+                        <a:effectLst/>
+                        <a:latin typeface="+mn-lt"/>
+                        <a:ea typeface="+mn-ea"/>
+                        <a:cs typeface="+mn-cs"/>
+                        <a:sym typeface="Arial"/>
+                      </a:endParaRPr>
+                    </a:p>
+                  </a:txBody>
+                  <a:tcPr/>
+                </a:tc>
+                <a:tc>
+                  <a:txBody>
+                    <a:bodyPr/>
+                    <a:lstStyle/>
+                    <a:p>
+                      <a:r>
+                        <a:rPr lang="en-US" sz="1400" b="0" u="none" strike="noStrike" cap="none" dirty="0">
+                          <a:solidFill>
+                            <a:schemeClr val="dk1"/>
+                          </a:solidFill>
+                          <a:effectLst/>
+                          <a:sym typeface="Arial"/>
+                        </a:rPr>
+                        <a:t>7.5 Tb</a:t>
+                      </a:r>
+                      <a:endParaRPr lang="en-US" sz="1400" b="0" i="0" u="none" strike="noStrike" cap="none" dirty="0">
+                        <a:solidFill>
+                          <a:schemeClr val="dk1"/>
+                        </a:solidFill>
+                        <a:effectLst/>
+                        <a:latin typeface="+mn-lt"/>
+                        <a:ea typeface="+mn-ea"/>
+                        <a:cs typeface="+mn-cs"/>
+                        <a:sym typeface="Arial"/>
+                      </a:endParaRPr>
+                    </a:p>
+                  </a:txBody>
+                  <a:tcPr/>
+                </a:tc>
+                <a:tc>
+                  <a:txBody>
+                    <a:bodyPr/>
+                    <a:lstStyle/>
+                    <a:p>
+                      <a:r>
+                        <a:rPr lang="en-US" sz="1400" b="0" u="none" strike="noStrike" cap="none" dirty="0">
+                          <a:solidFill>
+                            <a:schemeClr val="dk1"/>
+                          </a:solidFill>
+                          <a:effectLst/>
+                          <a:sym typeface="Arial"/>
+                        </a:rPr>
+                        <a:t>No</a:t>
+                      </a:r>
+                      <a:endParaRPr lang="en-US" sz="1400" b="0" i="0" u="none" strike="noStrike" cap="none" dirty="0">
+                        <a:solidFill>
+                          <a:schemeClr val="dk1"/>
+                        </a:solidFill>
+                        <a:effectLst/>
+                        <a:latin typeface="+mn-lt"/>
+                        <a:ea typeface="+mn-ea"/>
+                        <a:cs typeface="+mn-cs"/>
+                        <a:sym typeface="Arial"/>
+                      </a:endParaRPr>
+                    </a:p>
+                  </a:txBody>
+                  <a:tcPr/>
+                </a:tc>
+                <a:tc>
+                  <a:txBody>
+                    <a:bodyPr/>
+                    <a:lstStyle/>
+                    <a:p>
+                      <a:r>
+                        <a:rPr lang="en-US" sz="1400" b="0" u="none" strike="noStrike" cap="none" dirty="0">
+                          <a:solidFill>
+                            <a:schemeClr val="dk1"/>
+                          </a:solidFill>
+                          <a:effectLst/>
+                          <a:sym typeface="Arial"/>
+                        </a:rPr>
+                        <a:t>Yes, after 180 days</a:t>
+                      </a:r>
+                      <a:endParaRPr lang="en-US" sz="1400" b="0" i="0" u="none" strike="noStrike" cap="none" dirty="0">
+                        <a:solidFill>
+                          <a:schemeClr val="dk1"/>
+                        </a:solidFill>
+                        <a:effectLst/>
+                        <a:latin typeface="+mn-lt"/>
+                        <a:ea typeface="+mn-ea"/>
+                        <a:cs typeface="+mn-cs"/>
+                        <a:sym typeface="Arial"/>
+                      </a:endParaRPr>
+                    </a:p>
+                  </a:txBody>
+                  <a:tcPr/>
+                </a:tc>
+                <a:extLst>
+                  <a:ext uri="{0D108BD9-81ED-4DB2-BD59-A6C34878D82A}">
+                    <a16:rowId xmlns:a16="http://schemas.microsoft.com/office/drawing/2014/main" val="3385011467"/>
+                  </a:ext>
+                </a:extLst>
+              </a:tr>
+              <a:tr h="441356">
+                <a:tc>
+                  <a:txBody>
+                    <a:bodyPr/>
+                    <a:lstStyle/>
+                    <a:p>
+                      <a:pPr marL="0" marR="0" lvl="0" indent="0" algn="l" defTabSz="914400" rtl="0" eaLnBrk="1" fontAlgn="auto" latinLnBrk="0" hangingPunct="1">
+                        <a:lnSpc>
+                          <a:spcPct val="100000"/>
+                        </a:lnSpc>
+                        <a:spcBef>
+                          <a:spcPts val="0"/>
+                        </a:spcBef>
+                        <a:spcAft>
+                          <a:spcPts val="0"/>
+                        </a:spcAft>
+                        <a:buClr>
+                          <a:srgbClr val="000000"/>
+                        </a:buClr>
+                        <a:buSzTx/>
+                        <a:buFont typeface="Arial"/>
+                        <a:buNone/>
+                        <a:tabLst/>
+                        <a:defRPr/>
+                      </a:pPr>
+                      <a:r>
+                        <a:rPr lang="en-US" sz="1400" b="1" u="none" strike="noStrike" cap="none" dirty="0">
+                          <a:solidFill>
+                            <a:schemeClr val="dk1"/>
+                          </a:solidFill>
+                          <a:effectLst/>
+                          <a:sym typeface="Arial"/>
+                        </a:rPr>
+                        <a:t>/scratch/public/genomics/USER_ID</a:t>
+                      </a:r>
+                      <a:endParaRPr lang="en-US" sz="1400" b="1" i="0" u="none" strike="noStrike" cap="none" dirty="0">
+                        <a:solidFill>
+                          <a:schemeClr val="dk1"/>
+                        </a:solidFill>
+                        <a:effectLst/>
+                        <a:latin typeface="+mn-lt"/>
+                        <a:ea typeface="+mn-ea"/>
+                        <a:cs typeface="+mn-cs"/>
+                        <a:sym typeface="Arial"/>
+                      </a:endParaRPr>
+                    </a:p>
+                  </a:txBody>
+                  <a:tcPr/>
+                </a:tc>
+                <a:tc>
+                  <a:txBody>
+                    <a:bodyPr/>
+                    <a:lstStyle/>
+                    <a:p>
+                      <a:pPr marL="0" marR="0" lvl="0" indent="0" algn="l" defTabSz="914400" rtl="0" eaLnBrk="1" fontAlgn="auto" latinLnBrk="0" hangingPunct="1">
+                        <a:lnSpc>
+                          <a:spcPct val="100000"/>
+                        </a:lnSpc>
+                        <a:spcBef>
+                          <a:spcPts val="0"/>
+                        </a:spcBef>
+                        <a:spcAft>
+                          <a:spcPts val="0"/>
+                        </a:spcAft>
+                        <a:buClr>
+                          <a:srgbClr val="000000"/>
+                        </a:buClr>
+                        <a:buSzTx/>
+                        <a:buFont typeface="Arial"/>
+                        <a:buNone/>
+                        <a:tabLst/>
+                        <a:defRPr/>
+                      </a:pPr>
+                      <a:r>
+                        <a:rPr lang="en-US" sz="1400" b="0" u="none" strike="noStrike" cap="none" dirty="0">
+                          <a:solidFill>
+                            <a:schemeClr val="dk1"/>
+                          </a:solidFill>
+                          <a:effectLst/>
+                          <a:sym typeface="Arial"/>
+                        </a:rPr>
+                        <a:t>For storing large files, fastest disk R/W speed, best for analyses</a:t>
+                      </a:r>
+                      <a:endParaRPr lang="en-US" sz="1400" b="0" i="0" u="none" strike="noStrike" cap="none" dirty="0">
+                        <a:solidFill>
+                          <a:schemeClr val="dk1"/>
+                        </a:solidFill>
+                        <a:effectLst/>
+                        <a:latin typeface="+mn-lt"/>
+                        <a:ea typeface="+mn-ea"/>
+                        <a:cs typeface="+mn-cs"/>
+                        <a:sym typeface="Arial"/>
+                      </a:endParaRPr>
+                    </a:p>
+                  </a:txBody>
+                  <a:tcPr/>
+                </a:tc>
+                <a:tc>
+                  <a:txBody>
+                    <a:bodyPr/>
+                    <a:lstStyle/>
+                    <a:p>
+                      <a:pPr marL="0" marR="0" lvl="0" indent="0" algn="l" defTabSz="914400" rtl="0" eaLnBrk="1" fontAlgn="auto" latinLnBrk="0" hangingPunct="1">
+                        <a:lnSpc>
+                          <a:spcPct val="100000"/>
+                        </a:lnSpc>
+                        <a:spcBef>
+                          <a:spcPts val="0"/>
+                        </a:spcBef>
+                        <a:spcAft>
+                          <a:spcPts val="0"/>
+                        </a:spcAft>
+                        <a:buClr>
+                          <a:srgbClr val="000000"/>
+                        </a:buClr>
+                        <a:buSzTx/>
+                        <a:buFont typeface="Arial"/>
+                        <a:buNone/>
+                        <a:tabLst/>
+                        <a:defRPr/>
+                      </a:pPr>
+                      <a:r>
+                        <a:rPr lang="en-US" sz="1400" b="0" u="none" strike="noStrike" cap="none" dirty="0">
+                          <a:solidFill>
+                            <a:schemeClr val="dk1"/>
+                          </a:solidFill>
+                          <a:effectLst/>
+                          <a:sym typeface="Arial"/>
+                        </a:rPr>
+                        <a:t>15 Tb</a:t>
+                      </a:r>
+                      <a:endParaRPr lang="en-US" sz="1400" b="0" i="0" u="none" strike="noStrike" cap="none" dirty="0">
+                        <a:solidFill>
+                          <a:schemeClr val="dk1"/>
+                        </a:solidFill>
+                        <a:effectLst/>
+                        <a:latin typeface="+mn-lt"/>
+                        <a:ea typeface="+mn-ea"/>
+                        <a:cs typeface="+mn-cs"/>
+                        <a:sym typeface="Arial"/>
+                      </a:endParaRPr>
+                    </a:p>
+                  </a:txBody>
+                  <a:tcPr/>
+                </a:tc>
+                <a:tc>
+                  <a:txBody>
+                    <a:bodyPr/>
+                    <a:lstStyle/>
+                    <a:p>
+                      <a:pPr marL="0" marR="0" lvl="0" indent="0" algn="l" defTabSz="914400" rtl="0" eaLnBrk="1" fontAlgn="auto" latinLnBrk="0" hangingPunct="1">
+                        <a:lnSpc>
+                          <a:spcPct val="100000"/>
+                        </a:lnSpc>
+                        <a:spcBef>
+                          <a:spcPts val="0"/>
+                        </a:spcBef>
+                        <a:spcAft>
+                          <a:spcPts val="0"/>
+                        </a:spcAft>
+                        <a:buClr>
+                          <a:srgbClr val="000000"/>
+                        </a:buClr>
+                        <a:buSzTx/>
+                        <a:buFont typeface="Arial"/>
+                        <a:buNone/>
+                        <a:tabLst/>
+                        <a:defRPr/>
+                      </a:pPr>
+                      <a:r>
+                        <a:rPr lang="en-US" sz="1400" b="0" u="none" strike="noStrike" cap="none" dirty="0">
+                          <a:solidFill>
+                            <a:schemeClr val="dk1"/>
+                          </a:solidFill>
+                          <a:effectLst/>
+                          <a:sym typeface="Arial"/>
+                        </a:rPr>
+                        <a:t>No</a:t>
+                      </a:r>
+                      <a:endParaRPr lang="en-US" sz="1400" b="0" i="0" u="none" strike="noStrike" cap="none" dirty="0">
+                        <a:solidFill>
+                          <a:schemeClr val="dk1"/>
+                        </a:solidFill>
+                        <a:effectLst/>
+                        <a:latin typeface="+mn-lt"/>
+                        <a:ea typeface="+mn-ea"/>
+                        <a:cs typeface="+mn-cs"/>
+                        <a:sym typeface="Arial"/>
+                      </a:endParaRPr>
+                    </a:p>
+                  </a:txBody>
+                  <a:tcPr/>
+                </a:tc>
+                <a:tc>
+                  <a:txBody>
+                    <a:bodyPr/>
+                    <a:lstStyle/>
+                    <a:p>
+                      <a:pPr marL="0" marR="0" lvl="0" indent="0" algn="l" defTabSz="914400" rtl="0" eaLnBrk="1" fontAlgn="auto" latinLnBrk="0" hangingPunct="1">
+                        <a:lnSpc>
+                          <a:spcPct val="100000"/>
+                        </a:lnSpc>
+                        <a:spcBef>
+                          <a:spcPts val="0"/>
+                        </a:spcBef>
+                        <a:spcAft>
+                          <a:spcPts val="0"/>
+                        </a:spcAft>
+                        <a:buClr>
+                          <a:srgbClr val="000000"/>
+                        </a:buClr>
+                        <a:buSzTx/>
+                        <a:buFont typeface="Arial"/>
+                        <a:buNone/>
+                        <a:tabLst/>
+                        <a:defRPr/>
+                      </a:pPr>
+                      <a:r>
+                        <a:rPr lang="en-US" sz="1400" b="0" u="none" strike="noStrike" cap="none" dirty="0">
+                          <a:solidFill>
+                            <a:schemeClr val="dk1"/>
+                          </a:solidFill>
+                          <a:effectLst/>
+                          <a:sym typeface="Arial"/>
+                        </a:rPr>
+                        <a:t>Yes, after 180 days</a:t>
+                      </a:r>
+                    </a:p>
+                    <a:p>
+                      <a:pPr marL="0" marR="0" lvl="0" indent="0" algn="l" defTabSz="914400" rtl="0" eaLnBrk="1" fontAlgn="auto" latinLnBrk="0" hangingPunct="1">
+                        <a:lnSpc>
+                          <a:spcPct val="100000"/>
+                        </a:lnSpc>
+                        <a:spcBef>
+                          <a:spcPts val="0"/>
+                        </a:spcBef>
+                        <a:spcAft>
+                          <a:spcPts val="0"/>
+                        </a:spcAft>
+                        <a:buClr>
+                          <a:srgbClr val="000000"/>
+                        </a:buClr>
+                        <a:buSzTx/>
+                        <a:buFont typeface="Arial"/>
+                        <a:buNone/>
+                        <a:tabLst/>
+                        <a:defRPr/>
+                      </a:pPr>
+                      <a:endParaRPr lang="en-US" sz="1400" b="0" i="0" u="none" strike="noStrike" cap="none" dirty="0">
+                        <a:solidFill>
+                          <a:schemeClr val="dk1"/>
+                        </a:solidFill>
+                        <a:effectLst/>
+                        <a:latin typeface="+mn-lt"/>
+                        <a:ea typeface="+mn-ea"/>
+                        <a:cs typeface="+mn-cs"/>
+                        <a:sym typeface="Arial"/>
+                      </a:endParaRPr>
+                    </a:p>
+                  </a:txBody>
+                  <a:tcPr/>
+                </a:tc>
+                <a:extLst>
+                  <a:ext uri="{0D108BD9-81ED-4DB2-BD59-A6C34878D82A}">
+                    <a16:rowId xmlns:a16="http://schemas.microsoft.com/office/drawing/2014/main" val="4125821319"/>
+                  </a:ext>
+                </a:extLst>
+              </a:tr>
+            </a:tbl>
+          </a:graphicData>
+        </a:graphic>
+      </p:graphicFrame>
+    </p:spTree>
+    <p:extLst>
+      <p:ext uri="{BB962C8B-B14F-4D97-AF65-F5344CB8AC3E}">
+        <p14:creationId xmlns:p14="http://schemas.microsoft.com/office/powerpoint/2010/main" val="3590643580"/>
+      </p:ext>
+    </p:extLst>
+  </p:cSld>
+  <p:clrMapOvr>
+    <a:masterClrMapping/>
+  </p:clrMapOvr>
+</p:sld>
+</file>
+
+<file path=ppt/slides/slide7.xml><?xml version="1.0" encoding="utf-8"?>
 <p:sld xmlns:a="http://schemas.openxmlformats.org/drawingml/2006/main" xmlns:r="http://schemas.openxmlformats.org/officeDocument/2006/relationships" xmlns:p="http://schemas.openxmlformats.org/presentationml/2006/main">
   <p:cSld>
     <p:spTree>
@@ -15269,7 +16060,7 @@
 </p:sld>
 </file>
 
-<file path=ppt/slides/slide7.xml><?xml version="1.0" encoding="utf-8"?>
+<file path=ppt/slides/slide8.xml><?xml version="1.0" encoding="utf-8"?>
 <p:sld xmlns:a="http://schemas.openxmlformats.org/drawingml/2006/main" xmlns:r="http://schemas.openxmlformats.org/officeDocument/2006/relationships" xmlns:p="http://schemas.openxmlformats.org/presentationml/2006/main">
   <p:cSld>
     <p:spTree>

--- a/pdfs/Hydra_HPC_intro.pptx
+++ b/pdfs/Hydra_HPC_intro.pptx
@@ -11748,7 +11748,13 @@
                 <a:solidFill>
                   <a:schemeClr val="bg1"/>
                 </a:solidFill>
-                <a:hlinkClick r:id="rId4"/>
+                <a:hlinkClick r:id="rId4">
+                  <a:extLst>
+                    <a:ext uri="{A12FA001-AC4F-418D-AE19-62706E023703}">
+                      <ahyp:hlinkClr xmlns:ahyp="http://schemas.microsoft.com/office/drawing/2018/hyperlinkcolor" val="tx"/>
+                    </a:ext>
+                  </a:extLst>
+                </a:hlinkClick>
               </a:rPr>
               <a:t>https://www.inaturalist.org/taxa/486293-Hydra-vulgaris</a:t>
             </a:r>
@@ -12353,7 +12359,7 @@
             </a:pPr>
             <a:r>
               <a:rPr lang="en-US" dirty="0"/>
-              <a:t>A “safe” environment to learn </a:t>
+              <a:t>A safe environment to learn </a:t>
             </a:r>
             <a:endParaRPr dirty="0"/>
           </a:p>
@@ -12665,7 +12671,7 @@
             </a:r>
             <a:r>
               <a:rPr lang="en-US" dirty="0" err="1"/>
-              <a:t>wifi</a:t>
+              <a:t>WiFi</a:t>
             </a:r>
             <a:r>
               <a:rPr lang="en-US" dirty="0"/>
